--- a/Final_Proj/CSC 411 Neural Network.pptx
+++ b/Final_Proj/CSC 411 Neural Network.pptx
@@ -7,8 +7,8 @@
   <p:sldIdLst>
     <p:sldId id="256" r:id="rId2"/>
     <p:sldId id="259" r:id="rId3"/>
-    <p:sldId id="258" r:id="rId4"/>
-    <p:sldId id="257" r:id="rId5"/>
+    <p:sldId id="257" r:id="rId4"/>
+    <p:sldId id="258" r:id="rId5"/>
     <p:sldId id="260" r:id="rId6"/>
     <p:sldId id="261" r:id="rId7"/>
     <p:sldId id="262" r:id="rId8"/>
@@ -112,6 +112,11 @@
       </a:defRPr>
     </a:lvl9pPr>
   </p:defaultTextStyle>
+  <p:extLst>
+    <p:ext uri="{EFAFB233-063F-42B5-8137-9DF3F51BA10A}">
+      <p15:sldGuideLst xmlns:p15="http://schemas.microsoft.com/office/powerpoint/2012/main"/>
+    </p:ext>
+  </p:extLst>
 </p:presentation>
 </file>
 
@@ -4081,848 +4086,6 @@
 <file path=ppt/slides/slide3.xml><?xml version="1.0" encoding="utf-8"?>
 <p:sld xmlns:a="http://schemas.openxmlformats.org/drawingml/2006/main" xmlns:r="http://schemas.openxmlformats.org/officeDocument/2006/relationships" xmlns:p="http://schemas.openxmlformats.org/presentationml/2006/main">
   <p:cSld>
-    <p:spTree>
-      <p:nvGrpSpPr>
-        <p:cNvPr id="1" name=""/>
-        <p:cNvGrpSpPr/>
-        <p:nvPr/>
-      </p:nvGrpSpPr>
-      <p:grpSpPr>
-        <a:xfrm>
-          <a:off x="0" y="0"/>
-          <a:ext cx="0" cy="0"/>
-          <a:chOff x="0" y="0"/>
-          <a:chExt cx="0" cy="0"/>
-        </a:xfrm>
-      </p:grpSpPr>
-      <p:sp>
-        <p:nvSpPr>
-          <p:cNvPr id="2" name="Title 1">
-            <a:extLst>
-              <a:ext uri="{FF2B5EF4-FFF2-40B4-BE49-F238E27FC236}">
-                <a16:creationId xmlns:a16="http://schemas.microsoft.com/office/drawing/2014/main" id="{16FAAC89-414B-9440-3F04-10E4841C12D7}"/>
-              </a:ext>
-            </a:extLst>
-          </p:cNvPr>
-          <p:cNvSpPr>
-            <a:spLocks noGrp="1"/>
-          </p:cNvSpPr>
-          <p:nvPr>
-            <p:ph type="title"/>
-          </p:nvPr>
-        </p:nvSpPr>
-        <p:spPr/>
-        <p:txBody>
-          <a:bodyPr/>
-          <a:lstStyle/>
-          <a:p>
-            <a:r>
-              <a:rPr lang="en-US" dirty="0"/>
-              <a:t>Neuron Creation</a:t>
-            </a:r>
-          </a:p>
-        </p:txBody>
-      </p:sp>
-      <p:pic>
-        <p:nvPicPr>
-          <p:cNvPr id="6" name="Picture Placeholder 5" descr="A screenshot of a computer code">
-            <a:extLst>
-              <a:ext uri="{FF2B5EF4-FFF2-40B4-BE49-F238E27FC236}">
-                <a16:creationId xmlns:a16="http://schemas.microsoft.com/office/drawing/2014/main" id="{A62101D6-49BE-09DF-DC50-48F6B54CEEEF}"/>
-              </a:ext>
-            </a:extLst>
-          </p:cNvPr>
-          <p:cNvPicPr>
-            <a:picLocks noGrp="1" noChangeAspect="1"/>
-          </p:cNvPicPr>
-          <p:nvPr>
-            <p:ph type="pic" idx="1"/>
-          </p:nvPr>
-        </p:nvPicPr>
-        <p:blipFill>
-          <a:blip r:embed="rId2">
-            <a:extLst>
-              <a:ext uri="{28A0092B-C50C-407E-A947-70E740481C1C}">
-                <a14:useLocalDpi xmlns:a14="http://schemas.microsoft.com/office/drawing/2010/main" val="0"/>
-              </a:ext>
-            </a:extLst>
-          </a:blip>
-          <a:stretch>
-            <a:fillRect/>
-          </a:stretch>
-        </p:blipFill>
-        <p:spPr>
-          <a:xfrm>
-            <a:off x="5116589" y="35050"/>
-            <a:ext cx="6378430" cy="3395712"/>
-          </a:xfrm>
-        </p:spPr>
-      </p:pic>
-      <p:sp>
-        <p:nvSpPr>
-          <p:cNvPr id="4" name="Text Placeholder 3">
-            <a:extLst>
-              <a:ext uri="{FF2B5EF4-FFF2-40B4-BE49-F238E27FC236}">
-                <a16:creationId xmlns:a16="http://schemas.microsoft.com/office/drawing/2014/main" id="{6CC9658C-D1A7-C924-9792-89311D1414E5}"/>
-              </a:ext>
-            </a:extLst>
-          </p:cNvPr>
-          <p:cNvSpPr>
-            <a:spLocks noGrp="1"/>
-          </p:cNvSpPr>
-          <p:nvPr>
-            <p:ph type="body" sz="half" idx="2"/>
-          </p:nvPr>
-        </p:nvSpPr>
-        <p:spPr/>
-        <p:txBody>
-          <a:bodyPr/>
-          <a:lstStyle/>
-          <a:p>
-            <a:r>
-              <a:rPr lang="en-US" dirty="0"/>
-              <a:t>Creation of the neurons. First input is the number of neurons in the layer. Second input is how many inputs does each neuron have.</a:t>
-            </a:r>
-          </a:p>
-        </p:txBody>
-      </p:sp>
-      <p:sp>
-        <p:nvSpPr>
-          <p:cNvPr id="7" name="Oval 6">
-            <a:extLst>
-              <a:ext uri="{FF2B5EF4-FFF2-40B4-BE49-F238E27FC236}">
-                <a16:creationId xmlns:a16="http://schemas.microsoft.com/office/drawing/2014/main" id="{C2B98845-6257-6543-8F10-2232E87A8238}"/>
-              </a:ext>
-            </a:extLst>
-          </p:cNvPr>
-          <p:cNvSpPr/>
-          <p:nvPr/>
-        </p:nvSpPr>
-        <p:spPr>
-          <a:xfrm>
-            <a:off x="4617346" y="3974786"/>
-            <a:ext cx="671119" cy="671119"/>
-          </a:xfrm>
-          <a:prstGeom prst="ellipse">
-            <a:avLst/>
-          </a:prstGeom>
-          <a:solidFill>
-            <a:schemeClr val="accent1">
-              <a:lumMod val="60000"/>
-              <a:lumOff val="40000"/>
-            </a:schemeClr>
-          </a:solidFill>
-          <a:ln>
-            <a:noFill/>
-          </a:ln>
-        </p:spPr>
-        <p:style>
-          <a:lnRef idx="2">
-            <a:schemeClr val="accent1">
-              <a:shade val="15000"/>
-            </a:schemeClr>
-          </a:lnRef>
-          <a:fillRef idx="1">
-            <a:schemeClr val="accent1"/>
-          </a:fillRef>
-          <a:effectRef idx="0">
-            <a:schemeClr val="accent1"/>
-          </a:effectRef>
-          <a:fontRef idx="minor">
-            <a:schemeClr val="lt1"/>
-          </a:fontRef>
-        </p:style>
-        <p:txBody>
-          <a:bodyPr rtlCol="0" anchor="ctr"/>
-          <a:lstStyle/>
-          <a:p>
-            <a:pPr algn="ctr"/>
-            <a:r>
-              <a:rPr lang="en-US" sz="600" dirty="0"/>
-              <a:t>Input</a:t>
-            </a:r>
-          </a:p>
-        </p:txBody>
-      </p:sp>
-      <p:sp>
-        <p:nvSpPr>
-          <p:cNvPr id="8" name="Oval 7">
-            <a:extLst>
-              <a:ext uri="{FF2B5EF4-FFF2-40B4-BE49-F238E27FC236}">
-                <a16:creationId xmlns:a16="http://schemas.microsoft.com/office/drawing/2014/main" id="{97FAAF91-E8A1-ADBE-AA74-4FD961FD062E}"/>
-              </a:ext>
-            </a:extLst>
-          </p:cNvPr>
-          <p:cNvSpPr/>
-          <p:nvPr/>
-        </p:nvSpPr>
-        <p:spPr>
-          <a:xfrm>
-            <a:off x="4617346" y="5317023"/>
-            <a:ext cx="671119" cy="671119"/>
-          </a:xfrm>
-          <a:prstGeom prst="ellipse">
-            <a:avLst/>
-          </a:prstGeom>
-          <a:solidFill>
-            <a:schemeClr val="accent1">
-              <a:lumMod val="60000"/>
-              <a:lumOff val="40000"/>
-            </a:schemeClr>
-          </a:solidFill>
-          <a:ln>
-            <a:noFill/>
-          </a:ln>
-        </p:spPr>
-        <p:style>
-          <a:lnRef idx="2">
-            <a:schemeClr val="accent1">
-              <a:shade val="15000"/>
-            </a:schemeClr>
-          </a:lnRef>
-          <a:fillRef idx="1">
-            <a:schemeClr val="accent1"/>
-          </a:fillRef>
-          <a:effectRef idx="0">
-            <a:schemeClr val="accent1"/>
-          </a:effectRef>
-          <a:fontRef idx="minor">
-            <a:schemeClr val="lt1"/>
-          </a:fontRef>
-        </p:style>
-        <p:txBody>
-          <a:bodyPr rtlCol="0" anchor="ctr"/>
-          <a:lstStyle/>
-          <a:p>
-            <a:pPr algn="ctr"/>
-            <a:r>
-              <a:rPr lang="en-US" sz="600" dirty="0"/>
-              <a:t>Input</a:t>
-            </a:r>
-          </a:p>
-        </p:txBody>
-      </p:sp>
-      <p:sp>
-        <p:nvSpPr>
-          <p:cNvPr id="12" name="Oval 11">
-            <a:extLst>
-              <a:ext uri="{FF2B5EF4-FFF2-40B4-BE49-F238E27FC236}">
-                <a16:creationId xmlns:a16="http://schemas.microsoft.com/office/drawing/2014/main" id="{7705C052-122D-DBB7-B4A9-C90A63C6A53A}"/>
-              </a:ext>
-            </a:extLst>
-          </p:cNvPr>
-          <p:cNvSpPr/>
-          <p:nvPr/>
-        </p:nvSpPr>
-        <p:spPr>
-          <a:xfrm>
-            <a:off x="6096000" y="3974786"/>
-            <a:ext cx="671119" cy="671119"/>
-          </a:xfrm>
-          <a:prstGeom prst="ellipse">
-            <a:avLst/>
-          </a:prstGeom>
-          <a:solidFill>
-            <a:schemeClr val="accent5">
-              <a:lumMod val="50000"/>
-            </a:schemeClr>
-          </a:solidFill>
-          <a:ln>
-            <a:noFill/>
-          </a:ln>
-        </p:spPr>
-        <p:style>
-          <a:lnRef idx="2">
-            <a:schemeClr val="accent1">
-              <a:shade val="15000"/>
-            </a:schemeClr>
-          </a:lnRef>
-          <a:fillRef idx="1">
-            <a:schemeClr val="accent1"/>
-          </a:fillRef>
-          <a:effectRef idx="0">
-            <a:schemeClr val="accent1"/>
-          </a:effectRef>
-          <a:fontRef idx="minor">
-            <a:schemeClr val="lt1"/>
-          </a:fontRef>
-        </p:style>
-        <p:txBody>
-          <a:bodyPr rtlCol="0" anchor="ctr"/>
-          <a:lstStyle/>
-          <a:p>
-            <a:pPr algn="ctr"/>
-            <a:r>
-              <a:rPr lang="en-US" sz="600" dirty="0"/>
-              <a:t>Hidden</a:t>
-            </a:r>
-          </a:p>
-        </p:txBody>
-      </p:sp>
-      <p:sp>
-        <p:nvSpPr>
-          <p:cNvPr id="13" name="Oval 12">
-            <a:extLst>
-              <a:ext uri="{FF2B5EF4-FFF2-40B4-BE49-F238E27FC236}">
-                <a16:creationId xmlns:a16="http://schemas.microsoft.com/office/drawing/2014/main" id="{27A5CB62-F2A4-DFA4-C851-02E7AADF9629}"/>
-              </a:ext>
-            </a:extLst>
-          </p:cNvPr>
-          <p:cNvSpPr/>
-          <p:nvPr/>
-        </p:nvSpPr>
-        <p:spPr>
-          <a:xfrm>
-            <a:off x="6096000" y="4645905"/>
-            <a:ext cx="671119" cy="671119"/>
-          </a:xfrm>
-          <a:prstGeom prst="ellipse">
-            <a:avLst/>
-          </a:prstGeom>
-          <a:solidFill>
-            <a:schemeClr val="accent5">
-              <a:lumMod val="50000"/>
-            </a:schemeClr>
-          </a:solidFill>
-          <a:ln>
-            <a:noFill/>
-          </a:ln>
-        </p:spPr>
-        <p:style>
-          <a:lnRef idx="2">
-            <a:schemeClr val="accent1">
-              <a:shade val="15000"/>
-            </a:schemeClr>
-          </a:lnRef>
-          <a:fillRef idx="1">
-            <a:schemeClr val="accent1"/>
-          </a:fillRef>
-          <a:effectRef idx="0">
-            <a:schemeClr val="accent1"/>
-          </a:effectRef>
-          <a:fontRef idx="minor">
-            <a:schemeClr val="lt1"/>
-          </a:fontRef>
-        </p:style>
-        <p:txBody>
-          <a:bodyPr rtlCol="0" anchor="ctr"/>
-          <a:lstStyle/>
-          <a:p>
-            <a:pPr algn="ctr"/>
-            <a:r>
-              <a:rPr lang="en-US" sz="600" dirty="0"/>
-              <a:t>Hidden</a:t>
-            </a:r>
-          </a:p>
-        </p:txBody>
-      </p:sp>
-      <p:sp>
-        <p:nvSpPr>
-          <p:cNvPr id="14" name="Oval 13">
-            <a:extLst>
-              <a:ext uri="{FF2B5EF4-FFF2-40B4-BE49-F238E27FC236}">
-                <a16:creationId xmlns:a16="http://schemas.microsoft.com/office/drawing/2014/main" id="{750FBBCC-EC0E-536D-4CBD-8371015C4A08}"/>
-              </a:ext>
-            </a:extLst>
-          </p:cNvPr>
-          <p:cNvSpPr/>
-          <p:nvPr/>
-        </p:nvSpPr>
-        <p:spPr>
-          <a:xfrm>
-            <a:off x="6096000" y="5317024"/>
-            <a:ext cx="671119" cy="671119"/>
-          </a:xfrm>
-          <a:prstGeom prst="ellipse">
-            <a:avLst/>
-          </a:prstGeom>
-          <a:solidFill>
-            <a:schemeClr val="accent5">
-              <a:lumMod val="50000"/>
-            </a:schemeClr>
-          </a:solidFill>
-          <a:ln>
-            <a:noFill/>
-          </a:ln>
-        </p:spPr>
-        <p:style>
-          <a:lnRef idx="2">
-            <a:schemeClr val="accent1">
-              <a:shade val="15000"/>
-            </a:schemeClr>
-          </a:lnRef>
-          <a:fillRef idx="1">
-            <a:schemeClr val="accent1"/>
-          </a:fillRef>
-          <a:effectRef idx="0">
-            <a:schemeClr val="accent1"/>
-          </a:effectRef>
-          <a:fontRef idx="minor">
-            <a:schemeClr val="lt1"/>
-          </a:fontRef>
-        </p:style>
-        <p:txBody>
-          <a:bodyPr rtlCol="0" anchor="ctr"/>
-          <a:lstStyle/>
-          <a:p>
-            <a:pPr algn="ctr"/>
-            <a:r>
-              <a:rPr lang="en-US" sz="600" dirty="0"/>
-              <a:t>Hidden</a:t>
-            </a:r>
-          </a:p>
-        </p:txBody>
-      </p:sp>
-      <p:sp>
-        <p:nvSpPr>
-          <p:cNvPr id="15" name="Oval 14">
-            <a:extLst>
-              <a:ext uri="{FF2B5EF4-FFF2-40B4-BE49-F238E27FC236}">
-                <a16:creationId xmlns:a16="http://schemas.microsoft.com/office/drawing/2014/main" id="{F54A9272-03E5-C1AA-9DBC-6921C96B45BA}"/>
-              </a:ext>
-            </a:extLst>
-          </p:cNvPr>
-          <p:cNvSpPr/>
-          <p:nvPr/>
-        </p:nvSpPr>
-        <p:spPr>
-          <a:xfrm>
-            <a:off x="7970244" y="4645904"/>
-            <a:ext cx="671119" cy="671119"/>
-          </a:xfrm>
-          <a:prstGeom prst="ellipse">
-            <a:avLst/>
-          </a:prstGeom>
-          <a:solidFill>
-            <a:schemeClr val="tx2">
-              <a:lumMod val="50000"/>
-            </a:schemeClr>
-          </a:solidFill>
-          <a:ln>
-            <a:noFill/>
-          </a:ln>
-        </p:spPr>
-        <p:style>
-          <a:lnRef idx="2">
-            <a:schemeClr val="accent1">
-              <a:shade val="15000"/>
-            </a:schemeClr>
-          </a:lnRef>
-          <a:fillRef idx="1">
-            <a:schemeClr val="accent1"/>
-          </a:fillRef>
-          <a:effectRef idx="0">
-            <a:schemeClr val="accent1"/>
-          </a:effectRef>
-          <a:fontRef idx="minor">
-            <a:schemeClr val="lt1"/>
-          </a:fontRef>
-        </p:style>
-        <p:txBody>
-          <a:bodyPr rtlCol="0" anchor="ctr"/>
-          <a:lstStyle/>
-          <a:p>
-            <a:pPr algn="ctr"/>
-            <a:r>
-              <a:rPr lang="en-US" sz="600" dirty="0"/>
-              <a:t>Output</a:t>
-            </a:r>
-          </a:p>
-        </p:txBody>
-      </p:sp>
-      <p:cxnSp>
-        <p:nvCxnSpPr>
-          <p:cNvPr id="21" name="Straight Arrow Connector 20">
-            <a:extLst>
-              <a:ext uri="{FF2B5EF4-FFF2-40B4-BE49-F238E27FC236}">
-                <a16:creationId xmlns:a16="http://schemas.microsoft.com/office/drawing/2014/main" id="{FC7F07C7-80B2-054B-2D5A-A3FECEC02A65}"/>
-              </a:ext>
-            </a:extLst>
-          </p:cNvPr>
-          <p:cNvCxnSpPr>
-            <a:stCxn id="7" idx="6"/>
-            <a:endCxn id="12" idx="2"/>
-          </p:cNvCxnSpPr>
-          <p:nvPr/>
-        </p:nvCxnSpPr>
-        <p:spPr>
-          <a:xfrm>
-            <a:off x="5288465" y="4310346"/>
-            <a:ext cx="807535" cy="0"/>
-          </a:xfrm>
-          <a:prstGeom prst="straightConnector1">
-            <a:avLst/>
-          </a:prstGeom>
-          <a:ln>
-            <a:tailEnd type="triangle"/>
-          </a:ln>
-        </p:spPr>
-        <p:style>
-          <a:lnRef idx="1">
-            <a:schemeClr val="accent1"/>
-          </a:lnRef>
-          <a:fillRef idx="0">
-            <a:schemeClr val="accent1"/>
-          </a:fillRef>
-          <a:effectRef idx="0">
-            <a:schemeClr val="accent1"/>
-          </a:effectRef>
-          <a:fontRef idx="minor">
-            <a:schemeClr val="tx1"/>
-          </a:fontRef>
-        </p:style>
-      </p:cxnSp>
-      <p:cxnSp>
-        <p:nvCxnSpPr>
-          <p:cNvPr id="23" name="Straight Arrow Connector 22">
-            <a:extLst>
-              <a:ext uri="{FF2B5EF4-FFF2-40B4-BE49-F238E27FC236}">
-                <a16:creationId xmlns:a16="http://schemas.microsoft.com/office/drawing/2014/main" id="{893EC1BC-CA68-FA4E-7113-DEEE4025E526}"/>
-              </a:ext>
-            </a:extLst>
-          </p:cNvPr>
-          <p:cNvCxnSpPr>
-            <a:stCxn id="7" idx="6"/>
-            <a:endCxn id="13" idx="2"/>
-          </p:cNvCxnSpPr>
-          <p:nvPr/>
-        </p:nvCxnSpPr>
-        <p:spPr>
-          <a:xfrm>
-            <a:off x="5288465" y="4310346"/>
-            <a:ext cx="807535" cy="671119"/>
-          </a:xfrm>
-          <a:prstGeom prst="straightConnector1">
-            <a:avLst/>
-          </a:prstGeom>
-          <a:ln>
-            <a:tailEnd type="triangle"/>
-          </a:ln>
-        </p:spPr>
-        <p:style>
-          <a:lnRef idx="1">
-            <a:schemeClr val="accent1"/>
-          </a:lnRef>
-          <a:fillRef idx="0">
-            <a:schemeClr val="accent1"/>
-          </a:fillRef>
-          <a:effectRef idx="0">
-            <a:schemeClr val="accent1"/>
-          </a:effectRef>
-          <a:fontRef idx="minor">
-            <a:schemeClr val="tx1"/>
-          </a:fontRef>
-        </p:style>
-      </p:cxnSp>
-      <p:cxnSp>
-        <p:nvCxnSpPr>
-          <p:cNvPr id="25" name="Straight Arrow Connector 24">
-            <a:extLst>
-              <a:ext uri="{FF2B5EF4-FFF2-40B4-BE49-F238E27FC236}">
-                <a16:creationId xmlns:a16="http://schemas.microsoft.com/office/drawing/2014/main" id="{42D97111-F8E3-F2EF-EBAB-2B8F9E67C259}"/>
-              </a:ext>
-            </a:extLst>
-          </p:cNvPr>
-          <p:cNvCxnSpPr>
-            <a:stCxn id="7" idx="6"/>
-            <a:endCxn id="14" idx="2"/>
-          </p:cNvCxnSpPr>
-          <p:nvPr/>
-        </p:nvCxnSpPr>
-        <p:spPr>
-          <a:xfrm>
-            <a:off x="5288465" y="4310346"/>
-            <a:ext cx="807535" cy="1342238"/>
-          </a:xfrm>
-          <a:prstGeom prst="straightConnector1">
-            <a:avLst/>
-          </a:prstGeom>
-          <a:ln>
-            <a:tailEnd type="triangle"/>
-          </a:ln>
-        </p:spPr>
-        <p:style>
-          <a:lnRef idx="1">
-            <a:schemeClr val="accent1"/>
-          </a:lnRef>
-          <a:fillRef idx="0">
-            <a:schemeClr val="accent1"/>
-          </a:fillRef>
-          <a:effectRef idx="0">
-            <a:schemeClr val="accent1"/>
-          </a:effectRef>
-          <a:fontRef idx="minor">
-            <a:schemeClr val="tx1"/>
-          </a:fontRef>
-        </p:style>
-      </p:cxnSp>
-      <p:cxnSp>
-        <p:nvCxnSpPr>
-          <p:cNvPr id="27" name="Straight Arrow Connector 26">
-            <a:extLst>
-              <a:ext uri="{FF2B5EF4-FFF2-40B4-BE49-F238E27FC236}">
-                <a16:creationId xmlns:a16="http://schemas.microsoft.com/office/drawing/2014/main" id="{E4FDDB65-80B0-EA00-A6E3-508CAB229EB5}"/>
-              </a:ext>
-            </a:extLst>
-          </p:cNvPr>
-          <p:cNvCxnSpPr>
-            <a:stCxn id="8" idx="6"/>
-            <a:endCxn id="14" idx="2"/>
-          </p:cNvCxnSpPr>
-          <p:nvPr/>
-        </p:nvCxnSpPr>
-        <p:spPr>
-          <a:xfrm>
-            <a:off x="5288465" y="5652583"/>
-            <a:ext cx="807535" cy="1"/>
-          </a:xfrm>
-          <a:prstGeom prst="straightConnector1">
-            <a:avLst/>
-          </a:prstGeom>
-          <a:ln>
-            <a:tailEnd type="triangle"/>
-          </a:ln>
-        </p:spPr>
-        <p:style>
-          <a:lnRef idx="1">
-            <a:schemeClr val="accent1"/>
-          </a:lnRef>
-          <a:fillRef idx="0">
-            <a:schemeClr val="accent1"/>
-          </a:fillRef>
-          <a:effectRef idx="0">
-            <a:schemeClr val="accent1"/>
-          </a:effectRef>
-          <a:fontRef idx="minor">
-            <a:schemeClr val="tx1"/>
-          </a:fontRef>
-        </p:style>
-      </p:cxnSp>
-      <p:cxnSp>
-        <p:nvCxnSpPr>
-          <p:cNvPr id="29" name="Straight Arrow Connector 28">
-            <a:extLst>
-              <a:ext uri="{FF2B5EF4-FFF2-40B4-BE49-F238E27FC236}">
-                <a16:creationId xmlns:a16="http://schemas.microsoft.com/office/drawing/2014/main" id="{F52565A0-4A2F-7ECD-7CC4-4AF875E2A3D0}"/>
-              </a:ext>
-            </a:extLst>
-          </p:cNvPr>
-          <p:cNvCxnSpPr>
-            <a:stCxn id="8" idx="6"/>
-            <a:endCxn id="13" idx="2"/>
-          </p:cNvCxnSpPr>
-          <p:nvPr/>
-        </p:nvCxnSpPr>
-        <p:spPr>
-          <a:xfrm flipV="1">
-            <a:off x="5288465" y="4981465"/>
-            <a:ext cx="807535" cy="671118"/>
-          </a:xfrm>
-          <a:prstGeom prst="straightConnector1">
-            <a:avLst/>
-          </a:prstGeom>
-          <a:ln>
-            <a:tailEnd type="triangle"/>
-          </a:ln>
-        </p:spPr>
-        <p:style>
-          <a:lnRef idx="1">
-            <a:schemeClr val="accent1"/>
-          </a:lnRef>
-          <a:fillRef idx="0">
-            <a:schemeClr val="accent1"/>
-          </a:fillRef>
-          <a:effectRef idx="0">
-            <a:schemeClr val="accent1"/>
-          </a:effectRef>
-          <a:fontRef idx="minor">
-            <a:schemeClr val="tx1"/>
-          </a:fontRef>
-        </p:style>
-      </p:cxnSp>
-      <p:cxnSp>
-        <p:nvCxnSpPr>
-          <p:cNvPr id="31" name="Straight Arrow Connector 30">
-            <a:extLst>
-              <a:ext uri="{FF2B5EF4-FFF2-40B4-BE49-F238E27FC236}">
-                <a16:creationId xmlns:a16="http://schemas.microsoft.com/office/drawing/2014/main" id="{F99642C5-E789-5611-67DC-1718D8B13220}"/>
-              </a:ext>
-            </a:extLst>
-          </p:cNvPr>
-          <p:cNvCxnSpPr>
-            <a:endCxn id="12" idx="2"/>
-          </p:cNvCxnSpPr>
-          <p:nvPr/>
-        </p:nvCxnSpPr>
-        <p:spPr>
-          <a:xfrm flipV="1">
-            <a:off x="5288465" y="4310346"/>
-            <a:ext cx="807535" cy="1342236"/>
-          </a:xfrm>
-          <a:prstGeom prst="straightConnector1">
-            <a:avLst/>
-          </a:prstGeom>
-          <a:ln>
-            <a:tailEnd type="triangle"/>
-          </a:ln>
-        </p:spPr>
-        <p:style>
-          <a:lnRef idx="1">
-            <a:schemeClr val="accent1"/>
-          </a:lnRef>
-          <a:fillRef idx="0">
-            <a:schemeClr val="accent1"/>
-          </a:fillRef>
-          <a:effectRef idx="0">
-            <a:schemeClr val="accent1"/>
-          </a:effectRef>
-          <a:fontRef idx="minor">
-            <a:schemeClr val="tx1"/>
-          </a:fontRef>
-        </p:style>
-      </p:cxnSp>
-      <p:cxnSp>
-        <p:nvCxnSpPr>
-          <p:cNvPr id="33" name="Straight Arrow Connector 32">
-            <a:extLst>
-              <a:ext uri="{FF2B5EF4-FFF2-40B4-BE49-F238E27FC236}">
-                <a16:creationId xmlns:a16="http://schemas.microsoft.com/office/drawing/2014/main" id="{B6E9BA7B-EACD-0FE5-094B-A6B87A930517}"/>
-              </a:ext>
-            </a:extLst>
-          </p:cNvPr>
-          <p:cNvCxnSpPr>
-            <a:stCxn id="12" idx="6"/>
-            <a:endCxn id="15" idx="2"/>
-          </p:cNvCxnSpPr>
-          <p:nvPr/>
-        </p:nvCxnSpPr>
-        <p:spPr>
-          <a:xfrm>
-            <a:off x="6767119" y="4310346"/>
-            <a:ext cx="1203125" cy="671118"/>
-          </a:xfrm>
-          <a:prstGeom prst="straightConnector1">
-            <a:avLst/>
-          </a:prstGeom>
-          <a:ln>
-            <a:tailEnd type="triangle"/>
-          </a:ln>
-        </p:spPr>
-        <p:style>
-          <a:lnRef idx="2">
-            <a:schemeClr val="accent5"/>
-          </a:lnRef>
-          <a:fillRef idx="0">
-            <a:schemeClr val="accent5"/>
-          </a:fillRef>
-          <a:effectRef idx="1">
-            <a:schemeClr val="accent5"/>
-          </a:effectRef>
-          <a:fontRef idx="minor">
-            <a:schemeClr val="tx1"/>
-          </a:fontRef>
-        </p:style>
-      </p:cxnSp>
-      <p:cxnSp>
-        <p:nvCxnSpPr>
-          <p:cNvPr id="35" name="Straight Arrow Connector 34">
-            <a:extLst>
-              <a:ext uri="{FF2B5EF4-FFF2-40B4-BE49-F238E27FC236}">
-                <a16:creationId xmlns:a16="http://schemas.microsoft.com/office/drawing/2014/main" id="{3DEEDF02-3745-2114-1979-4CB0ECC390C0}"/>
-              </a:ext>
-            </a:extLst>
-          </p:cNvPr>
-          <p:cNvCxnSpPr>
-            <a:stCxn id="13" idx="6"/>
-            <a:endCxn id="15" idx="2"/>
-          </p:cNvCxnSpPr>
-          <p:nvPr/>
-        </p:nvCxnSpPr>
-        <p:spPr>
-          <a:xfrm flipV="1">
-            <a:off x="6767119" y="4981464"/>
-            <a:ext cx="1203125" cy="1"/>
-          </a:xfrm>
-          <a:prstGeom prst="straightConnector1">
-            <a:avLst/>
-          </a:prstGeom>
-          <a:ln>
-            <a:tailEnd type="triangle"/>
-          </a:ln>
-        </p:spPr>
-        <p:style>
-          <a:lnRef idx="2">
-            <a:schemeClr val="accent5"/>
-          </a:lnRef>
-          <a:fillRef idx="0">
-            <a:schemeClr val="accent5"/>
-          </a:fillRef>
-          <a:effectRef idx="1">
-            <a:schemeClr val="accent5"/>
-          </a:effectRef>
-          <a:fontRef idx="minor">
-            <a:schemeClr val="tx1"/>
-          </a:fontRef>
-        </p:style>
-      </p:cxnSp>
-      <p:cxnSp>
-        <p:nvCxnSpPr>
-          <p:cNvPr id="37" name="Straight Arrow Connector 36">
-            <a:extLst>
-              <a:ext uri="{FF2B5EF4-FFF2-40B4-BE49-F238E27FC236}">
-                <a16:creationId xmlns:a16="http://schemas.microsoft.com/office/drawing/2014/main" id="{DE1FABCA-9591-46D5-121F-50473CD1B9CB}"/>
-              </a:ext>
-            </a:extLst>
-          </p:cNvPr>
-          <p:cNvCxnSpPr>
-            <a:stCxn id="14" idx="6"/>
-            <a:endCxn id="15" idx="2"/>
-          </p:cNvCxnSpPr>
-          <p:nvPr/>
-        </p:nvCxnSpPr>
-        <p:spPr>
-          <a:xfrm flipV="1">
-            <a:off x="6767119" y="4981464"/>
-            <a:ext cx="1203125" cy="671120"/>
-          </a:xfrm>
-          <a:prstGeom prst="straightConnector1">
-            <a:avLst/>
-          </a:prstGeom>
-          <a:ln>
-            <a:tailEnd type="triangle"/>
-          </a:ln>
-        </p:spPr>
-        <p:style>
-          <a:lnRef idx="2">
-            <a:schemeClr val="accent5"/>
-          </a:lnRef>
-          <a:fillRef idx="0">
-            <a:schemeClr val="accent5"/>
-          </a:fillRef>
-          <a:effectRef idx="1">
-            <a:schemeClr val="accent5"/>
-          </a:effectRef>
-          <a:fontRef idx="minor">
-            <a:schemeClr val="tx1"/>
-          </a:fontRef>
-        </p:style>
-      </p:cxnSp>
-    </p:spTree>
-    <p:extLst>
-      <p:ext uri="{BB962C8B-B14F-4D97-AF65-F5344CB8AC3E}">
-        <p14:creationId xmlns:p14="http://schemas.microsoft.com/office/powerpoint/2010/main" val="125502171"/>
-      </p:ext>
-    </p:extLst>
-  </p:cSld>
-  <p:clrMapOvr>
-    <a:masterClrMapping/>
-  </p:clrMapOvr>
-</p:sld>
-</file>
-
-<file path=ppt/slides/slide4.xml><?xml version="1.0" encoding="utf-8"?>
-<p:sld xmlns:a="http://schemas.openxmlformats.org/drawingml/2006/main" xmlns:r="http://schemas.openxmlformats.org/officeDocument/2006/relationships" xmlns:p="http://schemas.openxmlformats.org/presentationml/2006/main">
-  <p:cSld>
     <p:bg>
       <p:bgPr>
         <a:solidFill>
@@ -5247,6 +4410,848 @@
     <p:extLst>
       <p:ext uri="{BB962C8B-B14F-4D97-AF65-F5344CB8AC3E}">
         <p14:creationId xmlns:p14="http://schemas.microsoft.com/office/powerpoint/2010/main" val="3671907896"/>
+      </p:ext>
+    </p:extLst>
+  </p:cSld>
+  <p:clrMapOvr>
+    <a:masterClrMapping/>
+  </p:clrMapOvr>
+</p:sld>
+</file>
+
+<file path=ppt/slides/slide4.xml><?xml version="1.0" encoding="utf-8"?>
+<p:sld xmlns:a="http://schemas.openxmlformats.org/drawingml/2006/main" xmlns:r="http://schemas.openxmlformats.org/officeDocument/2006/relationships" xmlns:p="http://schemas.openxmlformats.org/presentationml/2006/main">
+  <p:cSld>
+    <p:spTree>
+      <p:nvGrpSpPr>
+        <p:cNvPr id="1" name=""/>
+        <p:cNvGrpSpPr/>
+        <p:nvPr/>
+      </p:nvGrpSpPr>
+      <p:grpSpPr>
+        <a:xfrm>
+          <a:off x="0" y="0"/>
+          <a:ext cx="0" cy="0"/>
+          <a:chOff x="0" y="0"/>
+          <a:chExt cx="0" cy="0"/>
+        </a:xfrm>
+      </p:grpSpPr>
+      <p:sp>
+        <p:nvSpPr>
+          <p:cNvPr id="2" name="Title 1">
+            <a:extLst>
+              <a:ext uri="{FF2B5EF4-FFF2-40B4-BE49-F238E27FC236}">
+                <a16:creationId xmlns:a16="http://schemas.microsoft.com/office/drawing/2014/main" id="{16FAAC89-414B-9440-3F04-10E4841C12D7}"/>
+              </a:ext>
+            </a:extLst>
+          </p:cNvPr>
+          <p:cNvSpPr>
+            <a:spLocks noGrp="1"/>
+          </p:cNvSpPr>
+          <p:nvPr>
+            <p:ph type="title"/>
+          </p:nvPr>
+        </p:nvSpPr>
+        <p:spPr/>
+        <p:txBody>
+          <a:bodyPr/>
+          <a:lstStyle/>
+          <a:p>
+            <a:r>
+              <a:rPr lang="en-US" dirty="0"/>
+              <a:t>Neuron Creation</a:t>
+            </a:r>
+          </a:p>
+        </p:txBody>
+      </p:sp>
+      <p:pic>
+        <p:nvPicPr>
+          <p:cNvPr id="6" name="Picture Placeholder 5" descr="A screenshot of a computer code">
+            <a:extLst>
+              <a:ext uri="{FF2B5EF4-FFF2-40B4-BE49-F238E27FC236}">
+                <a16:creationId xmlns:a16="http://schemas.microsoft.com/office/drawing/2014/main" id="{A62101D6-49BE-09DF-DC50-48F6B54CEEEF}"/>
+              </a:ext>
+            </a:extLst>
+          </p:cNvPr>
+          <p:cNvPicPr>
+            <a:picLocks noGrp="1" noChangeAspect="1"/>
+          </p:cNvPicPr>
+          <p:nvPr>
+            <p:ph type="pic" idx="1"/>
+          </p:nvPr>
+        </p:nvPicPr>
+        <p:blipFill>
+          <a:blip r:embed="rId2">
+            <a:extLst>
+              <a:ext uri="{28A0092B-C50C-407E-A947-70E740481C1C}">
+                <a14:useLocalDpi xmlns:a14="http://schemas.microsoft.com/office/drawing/2010/main" val="0"/>
+              </a:ext>
+            </a:extLst>
+          </a:blip>
+          <a:stretch>
+            <a:fillRect/>
+          </a:stretch>
+        </p:blipFill>
+        <p:spPr>
+          <a:xfrm>
+            <a:off x="5116589" y="35050"/>
+            <a:ext cx="6378430" cy="3395712"/>
+          </a:xfrm>
+        </p:spPr>
+      </p:pic>
+      <p:sp>
+        <p:nvSpPr>
+          <p:cNvPr id="4" name="Text Placeholder 3">
+            <a:extLst>
+              <a:ext uri="{FF2B5EF4-FFF2-40B4-BE49-F238E27FC236}">
+                <a16:creationId xmlns:a16="http://schemas.microsoft.com/office/drawing/2014/main" id="{6CC9658C-D1A7-C924-9792-89311D1414E5}"/>
+              </a:ext>
+            </a:extLst>
+          </p:cNvPr>
+          <p:cNvSpPr>
+            <a:spLocks noGrp="1"/>
+          </p:cNvSpPr>
+          <p:nvPr>
+            <p:ph type="body" sz="half" idx="2"/>
+          </p:nvPr>
+        </p:nvSpPr>
+        <p:spPr/>
+        <p:txBody>
+          <a:bodyPr/>
+          <a:lstStyle/>
+          <a:p>
+            <a:r>
+              <a:rPr lang="en-US" dirty="0"/>
+              <a:t>Creation of the neurons. First input is the number of neurons in the layer. Second input is how many inputs does each neuron have.</a:t>
+            </a:r>
+          </a:p>
+        </p:txBody>
+      </p:sp>
+      <p:sp>
+        <p:nvSpPr>
+          <p:cNvPr id="7" name="Oval 6">
+            <a:extLst>
+              <a:ext uri="{FF2B5EF4-FFF2-40B4-BE49-F238E27FC236}">
+                <a16:creationId xmlns:a16="http://schemas.microsoft.com/office/drawing/2014/main" id="{C2B98845-6257-6543-8F10-2232E87A8238}"/>
+              </a:ext>
+            </a:extLst>
+          </p:cNvPr>
+          <p:cNvSpPr/>
+          <p:nvPr/>
+        </p:nvSpPr>
+        <p:spPr>
+          <a:xfrm>
+            <a:off x="4617346" y="3974786"/>
+            <a:ext cx="671119" cy="671119"/>
+          </a:xfrm>
+          <a:prstGeom prst="ellipse">
+            <a:avLst/>
+          </a:prstGeom>
+          <a:solidFill>
+            <a:schemeClr val="accent1">
+              <a:lumMod val="60000"/>
+              <a:lumOff val="40000"/>
+            </a:schemeClr>
+          </a:solidFill>
+          <a:ln>
+            <a:noFill/>
+          </a:ln>
+        </p:spPr>
+        <p:style>
+          <a:lnRef idx="2">
+            <a:schemeClr val="accent1">
+              <a:shade val="15000"/>
+            </a:schemeClr>
+          </a:lnRef>
+          <a:fillRef idx="1">
+            <a:schemeClr val="accent1"/>
+          </a:fillRef>
+          <a:effectRef idx="0">
+            <a:schemeClr val="accent1"/>
+          </a:effectRef>
+          <a:fontRef idx="minor">
+            <a:schemeClr val="lt1"/>
+          </a:fontRef>
+        </p:style>
+        <p:txBody>
+          <a:bodyPr rtlCol="0" anchor="ctr"/>
+          <a:lstStyle/>
+          <a:p>
+            <a:pPr algn="ctr"/>
+            <a:r>
+              <a:rPr lang="en-US" sz="600" dirty="0"/>
+              <a:t>Input</a:t>
+            </a:r>
+          </a:p>
+        </p:txBody>
+      </p:sp>
+      <p:sp>
+        <p:nvSpPr>
+          <p:cNvPr id="8" name="Oval 7">
+            <a:extLst>
+              <a:ext uri="{FF2B5EF4-FFF2-40B4-BE49-F238E27FC236}">
+                <a16:creationId xmlns:a16="http://schemas.microsoft.com/office/drawing/2014/main" id="{97FAAF91-E8A1-ADBE-AA74-4FD961FD062E}"/>
+              </a:ext>
+            </a:extLst>
+          </p:cNvPr>
+          <p:cNvSpPr/>
+          <p:nvPr/>
+        </p:nvSpPr>
+        <p:spPr>
+          <a:xfrm>
+            <a:off x="4617346" y="5317023"/>
+            <a:ext cx="671119" cy="671119"/>
+          </a:xfrm>
+          <a:prstGeom prst="ellipse">
+            <a:avLst/>
+          </a:prstGeom>
+          <a:solidFill>
+            <a:schemeClr val="accent1">
+              <a:lumMod val="60000"/>
+              <a:lumOff val="40000"/>
+            </a:schemeClr>
+          </a:solidFill>
+          <a:ln>
+            <a:noFill/>
+          </a:ln>
+        </p:spPr>
+        <p:style>
+          <a:lnRef idx="2">
+            <a:schemeClr val="accent1">
+              <a:shade val="15000"/>
+            </a:schemeClr>
+          </a:lnRef>
+          <a:fillRef idx="1">
+            <a:schemeClr val="accent1"/>
+          </a:fillRef>
+          <a:effectRef idx="0">
+            <a:schemeClr val="accent1"/>
+          </a:effectRef>
+          <a:fontRef idx="minor">
+            <a:schemeClr val="lt1"/>
+          </a:fontRef>
+        </p:style>
+        <p:txBody>
+          <a:bodyPr rtlCol="0" anchor="ctr"/>
+          <a:lstStyle/>
+          <a:p>
+            <a:pPr algn="ctr"/>
+            <a:r>
+              <a:rPr lang="en-US" sz="600" dirty="0"/>
+              <a:t>Input</a:t>
+            </a:r>
+          </a:p>
+        </p:txBody>
+      </p:sp>
+      <p:sp>
+        <p:nvSpPr>
+          <p:cNvPr id="12" name="Oval 11">
+            <a:extLst>
+              <a:ext uri="{FF2B5EF4-FFF2-40B4-BE49-F238E27FC236}">
+                <a16:creationId xmlns:a16="http://schemas.microsoft.com/office/drawing/2014/main" id="{7705C052-122D-DBB7-B4A9-C90A63C6A53A}"/>
+              </a:ext>
+            </a:extLst>
+          </p:cNvPr>
+          <p:cNvSpPr/>
+          <p:nvPr/>
+        </p:nvSpPr>
+        <p:spPr>
+          <a:xfrm>
+            <a:off x="6096000" y="3974786"/>
+            <a:ext cx="671119" cy="671119"/>
+          </a:xfrm>
+          <a:prstGeom prst="ellipse">
+            <a:avLst/>
+          </a:prstGeom>
+          <a:solidFill>
+            <a:schemeClr val="accent5">
+              <a:lumMod val="50000"/>
+            </a:schemeClr>
+          </a:solidFill>
+          <a:ln>
+            <a:noFill/>
+          </a:ln>
+        </p:spPr>
+        <p:style>
+          <a:lnRef idx="2">
+            <a:schemeClr val="accent1">
+              <a:shade val="15000"/>
+            </a:schemeClr>
+          </a:lnRef>
+          <a:fillRef idx="1">
+            <a:schemeClr val="accent1"/>
+          </a:fillRef>
+          <a:effectRef idx="0">
+            <a:schemeClr val="accent1"/>
+          </a:effectRef>
+          <a:fontRef idx="minor">
+            <a:schemeClr val="lt1"/>
+          </a:fontRef>
+        </p:style>
+        <p:txBody>
+          <a:bodyPr rtlCol="0" anchor="ctr"/>
+          <a:lstStyle/>
+          <a:p>
+            <a:pPr algn="ctr"/>
+            <a:r>
+              <a:rPr lang="en-US" sz="600" dirty="0"/>
+              <a:t>Hidden</a:t>
+            </a:r>
+          </a:p>
+        </p:txBody>
+      </p:sp>
+      <p:sp>
+        <p:nvSpPr>
+          <p:cNvPr id="13" name="Oval 12">
+            <a:extLst>
+              <a:ext uri="{FF2B5EF4-FFF2-40B4-BE49-F238E27FC236}">
+                <a16:creationId xmlns:a16="http://schemas.microsoft.com/office/drawing/2014/main" id="{27A5CB62-F2A4-DFA4-C851-02E7AADF9629}"/>
+              </a:ext>
+            </a:extLst>
+          </p:cNvPr>
+          <p:cNvSpPr/>
+          <p:nvPr/>
+        </p:nvSpPr>
+        <p:spPr>
+          <a:xfrm>
+            <a:off x="6096000" y="4645905"/>
+            <a:ext cx="671119" cy="671119"/>
+          </a:xfrm>
+          <a:prstGeom prst="ellipse">
+            <a:avLst/>
+          </a:prstGeom>
+          <a:solidFill>
+            <a:schemeClr val="accent5">
+              <a:lumMod val="50000"/>
+            </a:schemeClr>
+          </a:solidFill>
+          <a:ln>
+            <a:noFill/>
+          </a:ln>
+        </p:spPr>
+        <p:style>
+          <a:lnRef idx="2">
+            <a:schemeClr val="accent1">
+              <a:shade val="15000"/>
+            </a:schemeClr>
+          </a:lnRef>
+          <a:fillRef idx="1">
+            <a:schemeClr val="accent1"/>
+          </a:fillRef>
+          <a:effectRef idx="0">
+            <a:schemeClr val="accent1"/>
+          </a:effectRef>
+          <a:fontRef idx="minor">
+            <a:schemeClr val="lt1"/>
+          </a:fontRef>
+        </p:style>
+        <p:txBody>
+          <a:bodyPr rtlCol="0" anchor="ctr"/>
+          <a:lstStyle/>
+          <a:p>
+            <a:pPr algn="ctr"/>
+            <a:r>
+              <a:rPr lang="en-US" sz="600" dirty="0"/>
+              <a:t>Hidden</a:t>
+            </a:r>
+          </a:p>
+        </p:txBody>
+      </p:sp>
+      <p:sp>
+        <p:nvSpPr>
+          <p:cNvPr id="14" name="Oval 13">
+            <a:extLst>
+              <a:ext uri="{FF2B5EF4-FFF2-40B4-BE49-F238E27FC236}">
+                <a16:creationId xmlns:a16="http://schemas.microsoft.com/office/drawing/2014/main" id="{750FBBCC-EC0E-536D-4CBD-8371015C4A08}"/>
+              </a:ext>
+            </a:extLst>
+          </p:cNvPr>
+          <p:cNvSpPr/>
+          <p:nvPr/>
+        </p:nvSpPr>
+        <p:spPr>
+          <a:xfrm>
+            <a:off x="6096000" y="5317024"/>
+            <a:ext cx="671119" cy="671119"/>
+          </a:xfrm>
+          <a:prstGeom prst="ellipse">
+            <a:avLst/>
+          </a:prstGeom>
+          <a:solidFill>
+            <a:schemeClr val="accent5">
+              <a:lumMod val="50000"/>
+            </a:schemeClr>
+          </a:solidFill>
+          <a:ln>
+            <a:noFill/>
+          </a:ln>
+        </p:spPr>
+        <p:style>
+          <a:lnRef idx="2">
+            <a:schemeClr val="accent1">
+              <a:shade val="15000"/>
+            </a:schemeClr>
+          </a:lnRef>
+          <a:fillRef idx="1">
+            <a:schemeClr val="accent1"/>
+          </a:fillRef>
+          <a:effectRef idx="0">
+            <a:schemeClr val="accent1"/>
+          </a:effectRef>
+          <a:fontRef idx="minor">
+            <a:schemeClr val="lt1"/>
+          </a:fontRef>
+        </p:style>
+        <p:txBody>
+          <a:bodyPr rtlCol="0" anchor="ctr"/>
+          <a:lstStyle/>
+          <a:p>
+            <a:pPr algn="ctr"/>
+            <a:r>
+              <a:rPr lang="en-US" sz="600" dirty="0"/>
+              <a:t>Hidden</a:t>
+            </a:r>
+          </a:p>
+        </p:txBody>
+      </p:sp>
+      <p:sp>
+        <p:nvSpPr>
+          <p:cNvPr id="15" name="Oval 14">
+            <a:extLst>
+              <a:ext uri="{FF2B5EF4-FFF2-40B4-BE49-F238E27FC236}">
+                <a16:creationId xmlns:a16="http://schemas.microsoft.com/office/drawing/2014/main" id="{F54A9272-03E5-C1AA-9DBC-6921C96B45BA}"/>
+              </a:ext>
+            </a:extLst>
+          </p:cNvPr>
+          <p:cNvSpPr/>
+          <p:nvPr/>
+        </p:nvSpPr>
+        <p:spPr>
+          <a:xfrm>
+            <a:off x="7970244" y="4645904"/>
+            <a:ext cx="671119" cy="671119"/>
+          </a:xfrm>
+          <a:prstGeom prst="ellipse">
+            <a:avLst/>
+          </a:prstGeom>
+          <a:solidFill>
+            <a:schemeClr val="tx2">
+              <a:lumMod val="50000"/>
+            </a:schemeClr>
+          </a:solidFill>
+          <a:ln>
+            <a:noFill/>
+          </a:ln>
+        </p:spPr>
+        <p:style>
+          <a:lnRef idx="2">
+            <a:schemeClr val="accent1">
+              <a:shade val="15000"/>
+            </a:schemeClr>
+          </a:lnRef>
+          <a:fillRef idx="1">
+            <a:schemeClr val="accent1"/>
+          </a:fillRef>
+          <a:effectRef idx="0">
+            <a:schemeClr val="accent1"/>
+          </a:effectRef>
+          <a:fontRef idx="minor">
+            <a:schemeClr val="lt1"/>
+          </a:fontRef>
+        </p:style>
+        <p:txBody>
+          <a:bodyPr rtlCol="0" anchor="ctr"/>
+          <a:lstStyle/>
+          <a:p>
+            <a:pPr algn="ctr"/>
+            <a:r>
+              <a:rPr lang="en-US" sz="600" dirty="0"/>
+              <a:t>Output</a:t>
+            </a:r>
+          </a:p>
+        </p:txBody>
+      </p:sp>
+      <p:cxnSp>
+        <p:nvCxnSpPr>
+          <p:cNvPr id="21" name="Straight Arrow Connector 20">
+            <a:extLst>
+              <a:ext uri="{FF2B5EF4-FFF2-40B4-BE49-F238E27FC236}">
+                <a16:creationId xmlns:a16="http://schemas.microsoft.com/office/drawing/2014/main" id="{FC7F07C7-80B2-054B-2D5A-A3FECEC02A65}"/>
+              </a:ext>
+            </a:extLst>
+          </p:cNvPr>
+          <p:cNvCxnSpPr>
+            <a:stCxn id="7" idx="6"/>
+            <a:endCxn id="12" idx="2"/>
+          </p:cNvCxnSpPr>
+          <p:nvPr/>
+        </p:nvCxnSpPr>
+        <p:spPr>
+          <a:xfrm>
+            <a:off x="5288465" y="4310346"/>
+            <a:ext cx="807535" cy="0"/>
+          </a:xfrm>
+          <a:prstGeom prst="straightConnector1">
+            <a:avLst/>
+          </a:prstGeom>
+          <a:ln>
+            <a:tailEnd type="triangle"/>
+          </a:ln>
+        </p:spPr>
+        <p:style>
+          <a:lnRef idx="1">
+            <a:schemeClr val="accent1"/>
+          </a:lnRef>
+          <a:fillRef idx="0">
+            <a:schemeClr val="accent1"/>
+          </a:fillRef>
+          <a:effectRef idx="0">
+            <a:schemeClr val="accent1"/>
+          </a:effectRef>
+          <a:fontRef idx="minor">
+            <a:schemeClr val="tx1"/>
+          </a:fontRef>
+        </p:style>
+      </p:cxnSp>
+      <p:cxnSp>
+        <p:nvCxnSpPr>
+          <p:cNvPr id="23" name="Straight Arrow Connector 22">
+            <a:extLst>
+              <a:ext uri="{FF2B5EF4-FFF2-40B4-BE49-F238E27FC236}">
+                <a16:creationId xmlns:a16="http://schemas.microsoft.com/office/drawing/2014/main" id="{893EC1BC-CA68-FA4E-7113-DEEE4025E526}"/>
+              </a:ext>
+            </a:extLst>
+          </p:cNvPr>
+          <p:cNvCxnSpPr>
+            <a:stCxn id="7" idx="6"/>
+            <a:endCxn id="13" idx="2"/>
+          </p:cNvCxnSpPr>
+          <p:nvPr/>
+        </p:nvCxnSpPr>
+        <p:spPr>
+          <a:xfrm>
+            <a:off x="5288465" y="4310346"/>
+            <a:ext cx="807535" cy="671119"/>
+          </a:xfrm>
+          <a:prstGeom prst="straightConnector1">
+            <a:avLst/>
+          </a:prstGeom>
+          <a:ln>
+            <a:tailEnd type="triangle"/>
+          </a:ln>
+        </p:spPr>
+        <p:style>
+          <a:lnRef idx="1">
+            <a:schemeClr val="accent1"/>
+          </a:lnRef>
+          <a:fillRef idx="0">
+            <a:schemeClr val="accent1"/>
+          </a:fillRef>
+          <a:effectRef idx="0">
+            <a:schemeClr val="accent1"/>
+          </a:effectRef>
+          <a:fontRef idx="minor">
+            <a:schemeClr val="tx1"/>
+          </a:fontRef>
+        </p:style>
+      </p:cxnSp>
+      <p:cxnSp>
+        <p:nvCxnSpPr>
+          <p:cNvPr id="25" name="Straight Arrow Connector 24">
+            <a:extLst>
+              <a:ext uri="{FF2B5EF4-FFF2-40B4-BE49-F238E27FC236}">
+                <a16:creationId xmlns:a16="http://schemas.microsoft.com/office/drawing/2014/main" id="{42D97111-F8E3-F2EF-EBAB-2B8F9E67C259}"/>
+              </a:ext>
+            </a:extLst>
+          </p:cNvPr>
+          <p:cNvCxnSpPr>
+            <a:stCxn id="7" idx="6"/>
+            <a:endCxn id="14" idx="2"/>
+          </p:cNvCxnSpPr>
+          <p:nvPr/>
+        </p:nvCxnSpPr>
+        <p:spPr>
+          <a:xfrm>
+            <a:off x="5288465" y="4310346"/>
+            <a:ext cx="807535" cy="1342238"/>
+          </a:xfrm>
+          <a:prstGeom prst="straightConnector1">
+            <a:avLst/>
+          </a:prstGeom>
+          <a:ln>
+            <a:tailEnd type="triangle"/>
+          </a:ln>
+        </p:spPr>
+        <p:style>
+          <a:lnRef idx="1">
+            <a:schemeClr val="accent1"/>
+          </a:lnRef>
+          <a:fillRef idx="0">
+            <a:schemeClr val="accent1"/>
+          </a:fillRef>
+          <a:effectRef idx="0">
+            <a:schemeClr val="accent1"/>
+          </a:effectRef>
+          <a:fontRef idx="minor">
+            <a:schemeClr val="tx1"/>
+          </a:fontRef>
+        </p:style>
+      </p:cxnSp>
+      <p:cxnSp>
+        <p:nvCxnSpPr>
+          <p:cNvPr id="27" name="Straight Arrow Connector 26">
+            <a:extLst>
+              <a:ext uri="{FF2B5EF4-FFF2-40B4-BE49-F238E27FC236}">
+                <a16:creationId xmlns:a16="http://schemas.microsoft.com/office/drawing/2014/main" id="{E4FDDB65-80B0-EA00-A6E3-508CAB229EB5}"/>
+              </a:ext>
+            </a:extLst>
+          </p:cNvPr>
+          <p:cNvCxnSpPr>
+            <a:stCxn id="8" idx="6"/>
+            <a:endCxn id="14" idx="2"/>
+          </p:cNvCxnSpPr>
+          <p:nvPr/>
+        </p:nvCxnSpPr>
+        <p:spPr>
+          <a:xfrm>
+            <a:off x="5288465" y="5652583"/>
+            <a:ext cx="807535" cy="1"/>
+          </a:xfrm>
+          <a:prstGeom prst="straightConnector1">
+            <a:avLst/>
+          </a:prstGeom>
+          <a:ln>
+            <a:tailEnd type="triangle"/>
+          </a:ln>
+        </p:spPr>
+        <p:style>
+          <a:lnRef idx="1">
+            <a:schemeClr val="accent1"/>
+          </a:lnRef>
+          <a:fillRef idx="0">
+            <a:schemeClr val="accent1"/>
+          </a:fillRef>
+          <a:effectRef idx="0">
+            <a:schemeClr val="accent1"/>
+          </a:effectRef>
+          <a:fontRef idx="minor">
+            <a:schemeClr val="tx1"/>
+          </a:fontRef>
+        </p:style>
+      </p:cxnSp>
+      <p:cxnSp>
+        <p:nvCxnSpPr>
+          <p:cNvPr id="29" name="Straight Arrow Connector 28">
+            <a:extLst>
+              <a:ext uri="{FF2B5EF4-FFF2-40B4-BE49-F238E27FC236}">
+                <a16:creationId xmlns:a16="http://schemas.microsoft.com/office/drawing/2014/main" id="{F52565A0-4A2F-7ECD-7CC4-4AF875E2A3D0}"/>
+              </a:ext>
+            </a:extLst>
+          </p:cNvPr>
+          <p:cNvCxnSpPr>
+            <a:stCxn id="8" idx="6"/>
+            <a:endCxn id="13" idx="2"/>
+          </p:cNvCxnSpPr>
+          <p:nvPr/>
+        </p:nvCxnSpPr>
+        <p:spPr>
+          <a:xfrm flipV="1">
+            <a:off x="5288465" y="4981465"/>
+            <a:ext cx="807535" cy="671118"/>
+          </a:xfrm>
+          <a:prstGeom prst="straightConnector1">
+            <a:avLst/>
+          </a:prstGeom>
+          <a:ln>
+            <a:tailEnd type="triangle"/>
+          </a:ln>
+        </p:spPr>
+        <p:style>
+          <a:lnRef idx="1">
+            <a:schemeClr val="accent1"/>
+          </a:lnRef>
+          <a:fillRef idx="0">
+            <a:schemeClr val="accent1"/>
+          </a:fillRef>
+          <a:effectRef idx="0">
+            <a:schemeClr val="accent1"/>
+          </a:effectRef>
+          <a:fontRef idx="minor">
+            <a:schemeClr val="tx1"/>
+          </a:fontRef>
+        </p:style>
+      </p:cxnSp>
+      <p:cxnSp>
+        <p:nvCxnSpPr>
+          <p:cNvPr id="31" name="Straight Arrow Connector 30">
+            <a:extLst>
+              <a:ext uri="{FF2B5EF4-FFF2-40B4-BE49-F238E27FC236}">
+                <a16:creationId xmlns:a16="http://schemas.microsoft.com/office/drawing/2014/main" id="{F99642C5-E789-5611-67DC-1718D8B13220}"/>
+              </a:ext>
+            </a:extLst>
+          </p:cNvPr>
+          <p:cNvCxnSpPr>
+            <a:endCxn id="12" idx="2"/>
+          </p:cNvCxnSpPr>
+          <p:nvPr/>
+        </p:nvCxnSpPr>
+        <p:spPr>
+          <a:xfrm flipV="1">
+            <a:off x="5288465" y="4310346"/>
+            <a:ext cx="807535" cy="1342236"/>
+          </a:xfrm>
+          <a:prstGeom prst="straightConnector1">
+            <a:avLst/>
+          </a:prstGeom>
+          <a:ln>
+            <a:tailEnd type="triangle"/>
+          </a:ln>
+        </p:spPr>
+        <p:style>
+          <a:lnRef idx="1">
+            <a:schemeClr val="accent1"/>
+          </a:lnRef>
+          <a:fillRef idx="0">
+            <a:schemeClr val="accent1"/>
+          </a:fillRef>
+          <a:effectRef idx="0">
+            <a:schemeClr val="accent1"/>
+          </a:effectRef>
+          <a:fontRef idx="minor">
+            <a:schemeClr val="tx1"/>
+          </a:fontRef>
+        </p:style>
+      </p:cxnSp>
+      <p:cxnSp>
+        <p:nvCxnSpPr>
+          <p:cNvPr id="33" name="Straight Arrow Connector 32">
+            <a:extLst>
+              <a:ext uri="{FF2B5EF4-FFF2-40B4-BE49-F238E27FC236}">
+                <a16:creationId xmlns:a16="http://schemas.microsoft.com/office/drawing/2014/main" id="{B6E9BA7B-EACD-0FE5-094B-A6B87A930517}"/>
+              </a:ext>
+            </a:extLst>
+          </p:cNvPr>
+          <p:cNvCxnSpPr>
+            <a:stCxn id="12" idx="6"/>
+            <a:endCxn id="15" idx="2"/>
+          </p:cNvCxnSpPr>
+          <p:nvPr/>
+        </p:nvCxnSpPr>
+        <p:spPr>
+          <a:xfrm>
+            <a:off x="6767119" y="4310346"/>
+            <a:ext cx="1203125" cy="671118"/>
+          </a:xfrm>
+          <a:prstGeom prst="straightConnector1">
+            <a:avLst/>
+          </a:prstGeom>
+          <a:ln>
+            <a:tailEnd type="triangle"/>
+          </a:ln>
+        </p:spPr>
+        <p:style>
+          <a:lnRef idx="2">
+            <a:schemeClr val="accent5"/>
+          </a:lnRef>
+          <a:fillRef idx="0">
+            <a:schemeClr val="accent5"/>
+          </a:fillRef>
+          <a:effectRef idx="1">
+            <a:schemeClr val="accent5"/>
+          </a:effectRef>
+          <a:fontRef idx="minor">
+            <a:schemeClr val="tx1"/>
+          </a:fontRef>
+        </p:style>
+      </p:cxnSp>
+      <p:cxnSp>
+        <p:nvCxnSpPr>
+          <p:cNvPr id="35" name="Straight Arrow Connector 34">
+            <a:extLst>
+              <a:ext uri="{FF2B5EF4-FFF2-40B4-BE49-F238E27FC236}">
+                <a16:creationId xmlns:a16="http://schemas.microsoft.com/office/drawing/2014/main" id="{3DEEDF02-3745-2114-1979-4CB0ECC390C0}"/>
+              </a:ext>
+            </a:extLst>
+          </p:cNvPr>
+          <p:cNvCxnSpPr>
+            <a:stCxn id="13" idx="6"/>
+            <a:endCxn id="15" idx="2"/>
+          </p:cNvCxnSpPr>
+          <p:nvPr/>
+        </p:nvCxnSpPr>
+        <p:spPr>
+          <a:xfrm flipV="1">
+            <a:off x="6767119" y="4981464"/>
+            <a:ext cx="1203125" cy="1"/>
+          </a:xfrm>
+          <a:prstGeom prst="straightConnector1">
+            <a:avLst/>
+          </a:prstGeom>
+          <a:ln>
+            <a:tailEnd type="triangle"/>
+          </a:ln>
+        </p:spPr>
+        <p:style>
+          <a:lnRef idx="2">
+            <a:schemeClr val="accent5"/>
+          </a:lnRef>
+          <a:fillRef idx="0">
+            <a:schemeClr val="accent5"/>
+          </a:fillRef>
+          <a:effectRef idx="1">
+            <a:schemeClr val="accent5"/>
+          </a:effectRef>
+          <a:fontRef idx="minor">
+            <a:schemeClr val="tx1"/>
+          </a:fontRef>
+        </p:style>
+      </p:cxnSp>
+      <p:cxnSp>
+        <p:nvCxnSpPr>
+          <p:cNvPr id="37" name="Straight Arrow Connector 36">
+            <a:extLst>
+              <a:ext uri="{FF2B5EF4-FFF2-40B4-BE49-F238E27FC236}">
+                <a16:creationId xmlns:a16="http://schemas.microsoft.com/office/drawing/2014/main" id="{DE1FABCA-9591-46D5-121F-50473CD1B9CB}"/>
+              </a:ext>
+            </a:extLst>
+          </p:cNvPr>
+          <p:cNvCxnSpPr>
+            <a:stCxn id="14" idx="6"/>
+            <a:endCxn id="15" idx="2"/>
+          </p:cNvCxnSpPr>
+          <p:nvPr/>
+        </p:nvCxnSpPr>
+        <p:spPr>
+          <a:xfrm flipV="1">
+            <a:off x="6767119" y="4981464"/>
+            <a:ext cx="1203125" cy="671120"/>
+          </a:xfrm>
+          <a:prstGeom prst="straightConnector1">
+            <a:avLst/>
+          </a:prstGeom>
+          <a:ln>
+            <a:tailEnd type="triangle"/>
+          </a:ln>
+        </p:spPr>
+        <p:style>
+          <a:lnRef idx="2">
+            <a:schemeClr val="accent5"/>
+          </a:lnRef>
+          <a:fillRef idx="0">
+            <a:schemeClr val="accent5"/>
+          </a:fillRef>
+          <a:effectRef idx="1">
+            <a:schemeClr val="accent5"/>
+          </a:effectRef>
+          <a:fontRef idx="minor">
+            <a:schemeClr val="tx1"/>
+          </a:fontRef>
+        </p:style>
+      </p:cxnSp>
+    </p:spTree>
+    <p:extLst>
+      <p:ext uri="{BB962C8B-B14F-4D97-AF65-F5344CB8AC3E}">
+        <p14:creationId xmlns:p14="http://schemas.microsoft.com/office/powerpoint/2010/main" val="125502171"/>
       </p:ext>
     </p:extLst>
   </p:cSld>
@@ -5526,7 +5531,7 @@
           </a:xfrm>
         </p:spPr>
         <p:txBody>
-          <a:bodyPr vert="horz" lIns="91440" tIns="45720" rIns="91440" bIns="45720" rtlCol="0" anchor="b">
+          <a:bodyPr vert="horz" lIns="91440" tIns="45720" rIns="91440" bIns="45720" rtlCol="0" anchor="t">
             <a:normAutofit/>
           </a:bodyPr>
           <a:lstStyle/>
@@ -5536,13 +5541,8 @@
             </a:pPr>
             <a:r>
               <a:rPr lang="en-US" dirty="0"/>
-              <a:t>Code snippets for how the learning </a:t>
-            </a:r>
-            <a:r>
-              <a:rPr lang="en-US"/>
-              <a:t>is doing, as well as final plot</a:t>
-            </a:r>
-            <a:endParaRPr lang="en-US" dirty="0"/>
+              <a:t>Code snippets for how the learning is doing, as well as final plot</a:t>
+            </a:r>
           </a:p>
         </p:txBody>
       </p:sp>
@@ -5730,7 +5730,28 @@
           <a:bodyPr/>
           <a:lstStyle/>
           <a:p>
-            <a:endParaRPr lang="en-US"/>
+            <a:r>
+              <a:rPr lang="en-US" dirty="0"/>
+              <a:t>Forward pass using matrix.</a:t>
+            </a:r>
+          </a:p>
+          <a:p>
+            <a:r>
+              <a:rPr lang="en-US" dirty="0"/>
+              <a:t> The matrix is used to calculate all weights and the input data.</a:t>
+            </a:r>
+          </a:p>
+          <a:p>
+            <a:r>
+              <a:rPr lang="en-US" dirty="0"/>
+              <a:t>First is the activation hidden layer using the tanh of the matrix multiplication. </a:t>
+            </a:r>
+          </a:p>
+          <a:p>
+            <a:r>
+              <a:rPr lang="en-US" dirty="0"/>
+              <a:t>Second is activation of output using results from first and current weights</a:t>
+            </a:r>
           </a:p>
         </p:txBody>
       </p:sp>
@@ -5848,7 +5869,7 @@
           <a:bodyPr/>
           <a:lstStyle/>
           <a:p>
-            <a:endParaRPr lang="en-US"/>
+            <a:endParaRPr lang="en-US" dirty="0"/>
           </a:p>
         </p:txBody>
       </p:sp>
@@ -5966,7 +5987,10 @@
           <a:bodyPr/>
           <a:lstStyle/>
           <a:p>
-            <a:endParaRPr lang="en-US"/>
+            <a:r>
+              <a:rPr lang="en-US" dirty="0"/>
+              <a:t>Uses matrix multiplication for determining the amount to adjust the weights</a:t>
+            </a:r>
           </a:p>
         </p:txBody>
       </p:sp>
@@ -6084,7 +6108,7 @@
           <a:bodyPr/>
           <a:lstStyle/>
           <a:p>
-            <a:endParaRPr lang="en-US"/>
+            <a:endParaRPr lang="en-US" dirty="0"/>
           </a:p>
         </p:txBody>
       </p:sp>
